--- a/materials/ch02/ch02_6-路由.pptx
+++ b/materials/ch02/ch02_6-路由.pptx
@@ -283,7 +283,7 @@
           <a:p>
             <a:fld id="{BBF6169D-416D-4C06-B08B-5CE62A641987}" type="datetimeFigureOut">
               <a:rPr lang="zh-CN" altLang="en-US" smtClean="0"/>
-              <a:t>2019/8/28</a:t>
+              <a:t>2019/9/4</a:t>
             </a:fld>
             <a:endParaRPr lang="zh-CN" altLang="en-US"/>
           </a:p>
@@ -481,7 +481,7 @@
           <a:p>
             <a:fld id="{BBF6169D-416D-4C06-B08B-5CE62A641987}" type="datetimeFigureOut">
               <a:rPr lang="zh-CN" altLang="en-US" smtClean="0"/>
-              <a:t>2019/8/28</a:t>
+              <a:t>2019/9/4</a:t>
             </a:fld>
             <a:endParaRPr lang="zh-CN" altLang="en-US"/>
           </a:p>
@@ -689,7 +689,7 @@
           <a:p>
             <a:fld id="{BBF6169D-416D-4C06-B08B-5CE62A641987}" type="datetimeFigureOut">
               <a:rPr lang="zh-CN" altLang="en-US" smtClean="0"/>
-              <a:t>2019/8/28</a:t>
+              <a:t>2019/9/4</a:t>
             </a:fld>
             <a:endParaRPr lang="zh-CN" altLang="en-US"/>
           </a:p>
@@ -887,7 +887,7 @@
           <a:p>
             <a:fld id="{BBF6169D-416D-4C06-B08B-5CE62A641987}" type="datetimeFigureOut">
               <a:rPr lang="zh-CN" altLang="en-US" smtClean="0"/>
-              <a:t>2019/8/28</a:t>
+              <a:t>2019/9/4</a:t>
             </a:fld>
             <a:endParaRPr lang="zh-CN" altLang="en-US"/>
           </a:p>
@@ -1162,7 +1162,7 @@
           <a:p>
             <a:fld id="{BBF6169D-416D-4C06-B08B-5CE62A641987}" type="datetimeFigureOut">
               <a:rPr lang="zh-CN" altLang="en-US" smtClean="0"/>
-              <a:t>2019/8/28</a:t>
+              <a:t>2019/9/4</a:t>
             </a:fld>
             <a:endParaRPr lang="zh-CN" altLang="en-US"/>
           </a:p>
@@ -1427,7 +1427,7 @@
           <a:p>
             <a:fld id="{BBF6169D-416D-4C06-B08B-5CE62A641987}" type="datetimeFigureOut">
               <a:rPr lang="zh-CN" altLang="en-US" smtClean="0"/>
-              <a:t>2019/8/28</a:t>
+              <a:t>2019/9/4</a:t>
             </a:fld>
             <a:endParaRPr lang="zh-CN" altLang="en-US"/>
           </a:p>
@@ -1839,7 +1839,7 @@
           <a:p>
             <a:fld id="{BBF6169D-416D-4C06-B08B-5CE62A641987}" type="datetimeFigureOut">
               <a:rPr lang="zh-CN" altLang="en-US" smtClean="0"/>
-              <a:t>2019/8/28</a:t>
+              <a:t>2019/9/4</a:t>
             </a:fld>
             <a:endParaRPr lang="zh-CN" altLang="en-US"/>
           </a:p>
@@ -1980,7 +1980,7 @@
           <a:p>
             <a:fld id="{BBF6169D-416D-4C06-B08B-5CE62A641987}" type="datetimeFigureOut">
               <a:rPr lang="zh-CN" altLang="en-US" smtClean="0"/>
-              <a:t>2019/8/28</a:t>
+              <a:t>2019/9/4</a:t>
             </a:fld>
             <a:endParaRPr lang="zh-CN" altLang="en-US"/>
           </a:p>
@@ -2093,7 +2093,7 @@
           <a:p>
             <a:fld id="{BBF6169D-416D-4C06-B08B-5CE62A641987}" type="datetimeFigureOut">
               <a:rPr lang="zh-CN" altLang="en-US" smtClean="0"/>
-              <a:t>2019/8/28</a:t>
+              <a:t>2019/9/4</a:t>
             </a:fld>
             <a:endParaRPr lang="zh-CN" altLang="en-US"/>
           </a:p>
@@ -2404,7 +2404,7 @@
           <a:p>
             <a:fld id="{BBF6169D-416D-4C06-B08B-5CE62A641987}" type="datetimeFigureOut">
               <a:rPr lang="zh-CN" altLang="en-US" smtClean="0"/>
-              <a:t>2019/8/28</a:t>
+              <a:t>2019/9/4</a:t>
             </a:fld>
             <a:endParaRPr lang="zh-CN" altLang="en-US"/>
           </a:p>
@@ -2692,7 +2692,7 @@
           <a:p>
             <a:fld id="{BBF6169D-416D-4C06-B08B-5CE62A641987}" type="datetimeFigureOut">
               <a:rPr lang="zh-CN" altLang="en-US" smtClean="0"/>
-              <a:t>2019/8/28</a:t>
+              <a:t>2019/9/4</a:t>
             </a:fld>
             <a:endParaRPr lang="zh-CN" altLang="en-US"/>
           </a:p>
@@ -2933,7 +2933,7 @@
           <a:p>
             <a:fld id="{BBF6169D-416D-4C06-B08B-5CE62A641987}" type="datetimeFigureOut">
               <a:rPr lang="zh-CN" altLang="en-US" smtClean="0"/>
-              <a:t>2019/8/28</a:t>
+              <a:t>2019/9/4</a:t>
             </a:fld>
             <a:endParaRPr lang="zh-CN" altLang="en-US"/>
           </a:p>
@@ -3649,6 +3649,58 @@
                 <a:spcPts val="3800"/>
               </a:lnSpc>
             </a:pPr>
+            <a:r>
+              <a:rPr lang="zh-CN" altLang="en-US" dirty="0"/>
+              <a:t>示例：</a:t>
+            </a:r>
+            <a:endParaRPr lang="en-US" altLang="zh-CN" dirty="0"/>
+          </a:p>
+          <a:p>
+            <a:pPr marL="0" indent="0">
+              <a:lnSpc>
+                <a:spcPts val="3800"/>
+              </a:lnSpc>
+              <a:buNone/>
+            </a:pPr>
+            <a:r>
+              <a:rPr lang="en-US" altLang="zh-CN" dirty="0" err="1"/>
+              <a:t>wx.switchTab</a:t>
+            </a:r>
+            <a:r>
+              <a:rPr lang="en-US" altLang="zh-CN" dirty="0"/>
+              <a:t>({</a:t>
+            </a:r>
+          </a:p>
+          <a:p>
+            <a:pPr marL="0" indent="0">
+              <a:lnSpc>
+                <a:spcPts val="3800"/>
+              </a:lnSpc>
+              <a:buNone/>
+            </a:pPr>
+            <a:r>
+              <a:rPr lang="en-US" altLang="zh-CN" dirty="0"/>
+              <a:t>    url: ‘/pages/index/index’</a:t>
+            </a:r>
+          </a:p>
+          <a:p>
+            <a:pPr marL="0" indent="0">
+              <a:lnSpc>
+                <a:spcPts val="3800"/>
+              </a:lnSpc>
+              <a:buNone/>
+            </a:pPr>
+            <a:r>
+              <a:rPr lang="en-US" altLang="zh-CN" dirty="0"/>
+              <a:t>});</a:t>
+            </a:r>
+          </a:p>
+          <a:p>
+            <a:pPr>
+              <a:lnSpc>
+                <a:spcPts val="3800"/>
+              </a:lnSpc>
+            </a:pPr>
             <a:endParaRPr lang="en-US" altLang="zh-CN" dirty="0"/>
           </a:p>
           <a:p>
@@ -3748,6 +3800,66 @@
             <a:endParaRPr lang="en-US" altLang="zh-CN" dirty="0"/>
           </a:p>
           <a:p>
+            <a:pPr>
+              <a:lnSpc>
+                <a:spcPts val="3800"/>
+              </a:lnSpc>
+            </a:pPr>
+            <a:r>
+              <a:rPr lang="zh-CN" altLang="en-US" dirty="0"/>
+              <a:t>示例：</a:t>
+            </a:r>
+            <a:endParaRPr lang="en-US" altLang="zh-CN" dirty="0"/>
+          </a:p>
+          <a:p>
+            <a:pPr marL="0" indent="0">
+              <a:lnSpc>
+                <a:spcPts val="3800"/>
+              </a:lnSpc>
+              <a:buNone/>
+            </a:pPr>
+            <a:r>
+              <a:rPr lang="en-US" altLang="zh-CN" dirty="0" err="1"/>
+              <a:t>wx.reLaunch</a:t>
+            </a:r>
+            <a:r>
+              <a:rPr lang="en-US" altLang="zh-CN" dirty="0"/>
+              <a:t>({</a:t>
+            </a:r>
+          </a:p>
+          <a:p>
+            <a:pPr marL="0" indent="0">
+              <a:lnSpc>
+                <a:spcPts val="3800"/>
+              </a:lnSpc>
+              <a:buNone/>
+            </a:pPr>
+            <a:r>
+              <a:rPr lang="en-US" altLang="zh-CN" dirty="0"/>
+              <a:t>    url: ‘/pages/index/index’</a:t>
+            </a:r>
+          </a:p>
+          <a:p>
+            <a:pPr marL="0" indent="0">
+              <a:lnSpc>
+                <a:spcPts val="3800"/>
+              </a:lnSpc>
+              <a:buNone/>
+            </a:pPr>
+            <a:r>
+              <a:rPr lang="en-US" altLang="zh-CN" dirty="0"/>
+              <a:t>});</a:t>
+            </a:r>
+          </a:p>
+          <a:p>
+            <a:pPr>
+              <a:lnSpc>
+                <a:spcPts val="3800"/>
+              </a:lnSpc>
+            </a:pPr>
+            <a:endParaRPr lang="en-US" altLang="zh-CN" dirty="0"/>
+          </a:p>
+          <a:p>
             <a:endParaRPr lang="zh-CN" altLang="en-US" dirty="0"/>
           </a:p>
         </p:txBody>
@@ -3861,6 +3973,66 @@
                 <a:spcPts val="3800"/>
               </a:lnSpc>
             </a:pPr>
+            <a:r>
+              <a:rPr lang="zh-CN" altLang="en-US" dirty="0"/>
+              <a:t>示例：</a:t>
+            </a:r>
+            <a:endParaRPr lang="en-US" altLang="zh-CN" dirty="0"/>
+          </a:p>
+          <a:p>
+            <a:pPr marL="0" indent="0">
+              <a:lnSpc>
+                <a:spcPts val="3800"/>
+              </a:lnSpc>
+              <a:buNone/>
+            </a:pPr>
+            <a:r>
+              <a:rPr lang="en-US" altLang="zh-CN" dirty="0" err="1"/>
+              <a:t>wx.redirectTo</a:t>
+            </a:r>
+            <a:r>
+              <a:rPr lang="en-US" altLang="zh-CN" dirty="0"/>
+              <a:t>({</a:t>
+            </a:r>
+          </a:p>
+          <a:p>
+            <a:pPr marL="0" indent="0">
+              <a:lnSpc>
+                <a:spcPts val="3800"/>
+              </a:lnSpc>
+              <a:buNone/>
+            </a:pPr>
+            <a:r>
+              <a:rPr lang="en-US" altLang="zh-CN" dirty="0"/>
+              <a:t>    url: ‘/pages/index/index’</a:t>
+            </a:r>
+          </a:p>
+          <a:p>
+            <a:pPr marL="0" indent="0">
+              <a:lnSpc>
+                <a:spcPts val="3800"/>
+              </a:lnSpc>
+              <a:buNone/>
+            </a:pPr>
+            <a:r>
+              <a:rPr lang="en-US" altLang="zh-CN" dirty="0"/>
+              <a:t>});</a:t>
+            </a:r>
+          </a:p>
+          <a:p>
+            <a:pPr>
+              <a:lnSpc>
+                <a:spcPts val="3800"/>
+              </a:lnSpc>
+            </a:pPr>
+            <a:endParaRPr lang="en-US" altLang="zh-CN" dirty="0"/>
+          </a:p>
+          <a:p>
+            <a:pPr>
+              <a:lnSpc>
+                <a:spcPts val="3800"/>
+              </a:lnSpc>
+            </a:pPr>
             <a:endParaRPr lang="en-US" altLang="zh-CN" dirty="0"/>
           </a:p>
           <a:p>
@@ -4073,7 +4245,9 @@
         </p:nvSpPr>
         <p:spPr/>
         <p:txBody>
-          <a:bodyPr/>
+          <a:bodyPr>
+            <a:normAutofit fontScale="92500"/>
+          </a:bodyPr>
           <a:lstStyle/>
           <a:p>
             <a:pPr>
@@ -4117,6 +4291,66 @@
               <a:rPr lang="zh-CN" altLang="en-US" b="1" dirty="0"/>
               <a:t> 可以返回到原页面。小程序中页面栈最多十层。</a:t>
             </a:r>
+            <a:endParaRPr lang="en-US" altLang="zh-CN" b="1" dirty="0"/>
+          </a:p>
+          <a:p>
+            <a:pPr>
+              <a:lnSpc>
+                <a:spcPts val="3800"/>
+              </a:lnSpc>
+            </a:pPr>
+            <a:r>
+              <a:rPr lang="zh-CN" altLang="en-US" dirty="0"/>
+              <a:t>示例：</a:t>
+            </a:r>
+            <a:endParaRPr lang="en-US" altLang="zh-CN" dirty="0"/>
+          </a:p>
+          <a:p>
+            <a:pPr marL="0" indent="0">
+              <a:lnSpc>
+                <a:spcPts val="3800"/>
+              </a:lnSpc>
+              <a:buNone/>
+            </a:pPr>
+            <a:r>
+              <a:rPr lang="en-US" altLang="zh-CN" dirty="0" err="1"/>
+              <a:t>wx.navigateTo</a:t>
+            </a:r>
+            <a:r>
+              <a:rPr lang="en-US" altLang="zh-CN" dirty="0"/>
+              <a:t>({</a:t>
+            </a:r>
+          </a:p>
+          <a:p>
+            <a:pPr marL="0" indent="0">
+              <a:lnSpc>
+                <a:spcPts val="3800"/>
+              </a:lnSpc>
+              <a:buNone/>
+            </a:pPr>
+            <a:r>
+              <a:rPr lang="en-US" altLang="zh-CN" dirty="0"/>
+              <a:t>    url: ‘/pages/index/index’</a:t>
+            </a:r>
+          </a:p>
+          <a:p>
+            <a:pPr marL="0" indent="0">
+              <a:lnSpc>
+                <a:spcPts val="3800"/>
+              </a:lnSpc>
+              <a:buNone/>
+            </a:pPr>
+            <a:r>
+              <a:rPr lang="en-US" altLang="zh-CN" dirty="0"/>
+              <a:t>});</a:t>
+            </a:r>
+          </a:p>
+          <a:p>
+            <a:pPr>
+              <a:lnSpc>
+                <a:spcPts val="3800"/>
+              </a:lnSpc>
+            </a:pPr>
             <a:endParaRPr lang="en-US" altLang="zh-CN" b="1" dirty="0"/>
           </a:p>
           <a:p>
